--- a/3. Spring 5.0/Day 20/Slides/4. Error Handling/error-handling-slides.pptx
+++ b/3. Spring 5.0/Day 20/Slides/4. Error Handling/error-handling-slides.pptx
@@ -11315,6 +11315,68 @@
               <a:rPr/>
             </a:fld>
             <a:endParaRPr/>
+          </a:p>
+        </p:txBody>
+      </p:sp>
+      <p:sp>
+        <p:nvSpPr>
+          <p:cNvPr id="7" name="object 4"/>
+          <p:cNvSpPr txBox="1">
+            <a:spLocks noGrp="1"/>
+          </p:cNvSpPr>
+          <p:nvPr/>
+        </p:nvSpPr>
+        <p:spPr>
+          <a:xfrm>
+            <a:off x="7137400" y="2133600"/>
+            <a:ext cx="2691130" cy="504825"/>
+          </a:xfrm>
+          <a:prstGeom prst="rect">
+            <a:avLst/>
+          </a:prstGeom>
+        </p:spPr>
+        <p:txBody>
+          <a:bodyPr vert="horz" wrap="square" lIns="0" tIns="12700" rIns="0" bIns="0" rtlCol="0">
+            <a:spAutoFit/>
+          </a:bodyPr>
+          <a:lstStyle>
+            <a:lvl1pPr>
+              <a:defRPr sz="3200" b="0" i="0">
+                <a:solidFill>
+                  <a:schemeClr val="tx1"/>
+                </a:solidFill>
+                <a:latin typeface="Verdana" panose="020B0604030504040204"/>
+                <a:ea typeface="+mj-ea"/>
+                <a:cs typeface="Verdana" panose="020B0604030504040204"/>
+              </a:defRPr>
+            </a:lvl1pPr>
+          </a:lstStyle>
+          <a:p>
+            <a:pPr marL="12700">
+              <a:lnSpc>
+                <a:spcPct val="100000"/>
+              </a:lnSpc>
+              <a:spcBef>
+                <a:spcPts val="100"/>
+              </a:spcBef>
+            </a:pPr>
+            <a:r>
+              <a:rPr lang="en-US" spc="160" dirty="0"/>
+              <a:t>1</a:t>
+            </a:r>
+            <a:r>
+              <a:rPr spc="160" dirty="0"/>
+              <a:t>00</a:t>
+            </a:r>
+            <a:r>
+              <a:rPr spc="-245" dirty="0"/>
+              <a:t> </a:t>
+            </a:r>
+            <a:r>
+              <a:rPr lang="en-US" spc="150" dirty="0"/>
+              <a:t>INFO</a:t>
+            </a:r>
+            <a:endParaRPr lang="en-US" spc="150" dirty="0"/>
           </a:p>
         </p:txBody>
       </p:sp>
